--- a/Software Engineering 2.pptx
+++ b/Software Engineering 2.pptx
@@ -140,7 +140,82 @@
       </a:defRPr>
     </a:lvl9pPr>
   </p:defaultTextStyle>
+  <p:extLst>
+    <p:ext uri="{EFAFB233-063F-42B5-8137-9DF3F51BA10A}">
+      <p15:sldGuideLst xmlns:p15="http://schemas.microsoft.com/office/powerpoint/2012/main">
+        <p15:guide id="1" orient="horz" pos="2160">
+          <p15:clr>
+            <a:srgbClr val="A4A3A4"/>
+          </p15:clr>
+        </p15:guide>
+        <p15:guide id="2" pos="2880">
+          <p15:clr>
+            <a:srgbClr val="A4A3A4"/>
+          </p15:clr>
+        </p15:guide>
+      </p15:sldGuideLst>
+    </p:ext>
+  </p:extLst>
 </p:presentation>
+</file>
+
+<file path=ppt/changesInfos/changesInfo1.xml><?xml version="1.0" encoding="utf-8"?>
+<pc:chgInfo xmlns:a="http://schemas.openxmlformats.org/drawingml/2006/main" xmlns:r="http://schemas.openxmlformats.org/officeDocument/2006/relationships" xmlns:ac="http://schemas.microsoft.com/office/drawing/2013/main/command" xmlns:pc="http://schemas.microsoft.com/office/powerpoint/2013/main/command">
+  <pc:docChgLst>
+    <pc:chgData name="Ryan Pratt" userId="eeaf307ba43dde01" providerId="LiveId" clId="{FA353F60-449F-43DD-9C7D-1194BE1F446D}"/>
+    <pc:docChg chg="custSel modSld">
+      <pc:chgData name="Ryan Pratt" userId="eeaf307ba43dde01" providerId="LiveId" clId="{FA353F60-449F-43DD-9C7D-1194BE1F446D}" dt="2019-04-11T04:00:44.160" v="66" actId="20577"/>
+      <pc:docMkLst>
+        <pc:docMk/>
+      </pc:docMkLst>
+      <pc:sldChg chg="modSp">
+        <pc:chgData name="Ryan Pratt" userId="eeaf307ba43dde01" providerId="LiveId" clId="{FA353F60-449F-43DD-9C7D-1194BE1F446D}" dt="2019-04-11T04:00:06.663" v="62" actId="20577"/>
+        <pc:sldMkLst>
+          <pc:docMk/>
+          <pc:sldMk cId="0" sldId="258"/>
+        </pc:sldMkLst>
+        <pc:spChg chg="mod">
+          <ac:chgData name="Ryan Pratt" userId="eeaf307ba43dde01" providerId="LiveId" clId="{FA353F60-449F-43DD-9C7D-1194BE1F446D}" dt="2019-04-11T04:00:06.663" v="62" actId="20577"/>
+          <ac:spMkLst>
+            <pc:docMk/>
+            <pc:sldMk cId="0" sldId="258"/>
+            <ac:spMk id="3" creationId="{00000000-0000-0000-0000-000000000000}"/>
+          </ac:spMkLst>
+        </pc:spChg>
+      </pc:sldChg>
+      <pc:sldChg chg="modSp">
+        <pc:chgData name="Ryan Pratt" userId="eeaf307ba43dde01" providerId="LiveId" clId="{FA353F60-449F-43DD-9C7D-1194BE1F446D}" dt="2019-04-11T03:59:13.238" v="14" actId="20577"/>
+        <pc:sldMkLst>
+          <pc:docMk/>
+          <pc:sldMk cId="0" sldId="260"/>
+        </pc:sldMkLst>
+        <pc:spChg chg="mod">
+          <ac:chgData name="Ryan Pratt" userId="eeaf307ba43dde01" providerId="LiveId" clId="{FA353F60-449F-43DD-9C7D-1194BE1F446D}" dt="2019-04-11T03:59:13.238" v="14" actId="20577"/>
+          <ac:spMkLst>
+            <pc:docMk/>
+            <pc:sldMk cId="0" sldId="260"/>
+            <ac:spMk id="3" creationId="{00000000-0000-0000-0000-000000000000}"/>
+          </ac:spMkLst>
+        </pc:spChg>
+      </pc:sldChg>
+      <pc:sldChg chg="modSp">
+        <pc:chgData name="Ryan Pratt" userId="eeaf307ba43dde01" providerId="LiveId" clId="{FA353F60-449F-43DD-9C7D-1194BE1F446D}" dt="2019-04-11T04:00:44.160" v="66" actId="20577"/>
+        <pc:sldMkLst>
+          <pc:docMk/>
+          <pc:sldMk cId="0" sldId="261"/>
+        </pc:sldMkLst>
+        <pc:spChg chg="mod">
+          <ac:chgData name="Ryan Pratt" userId="eeaf307ba43dde01" providerId="LiveId" clId="{FA353F60-449F-43DD-9C7D-1194BE1F446D}" dt="2019-04-11T04:00:44.160" v="66" actId="20577"/>
+          <ac:spMkLst>
+            <pc:docMk/>
+            <pc:sldMk cId="0" sldId="261"/>
+            <ac:spMk id="3" creationId="{00000000-0000-0000-0000-000000000000}"/>
+          </ac:spMkLst>
+        </pc:spChg>
+      </pc:sldChg>
+    </pc:docChg>
+  </pc:docChgLst>
+</pc:chgInfo>
 </file>
 
 <file path=ppt/slideLayouts/slideLayout1.xml><?xml version="1.0" encoding="utf-8"?>
@@ -755,10 +830,9 @@
           </a:lstStyle>
           <a:p>
             <a:r>
-              <a:rPr lang="en-US" smtClean="0"/>
+              <a:rPr lang="en-US"/>
               <a:t>Click to edit Master title style</a:t>
             </a:r>
-            <a:endParaRPr lang="en-US"/>
           </a:p>
         </p:txBody>
       </p:sp>
@@ -789,10 +863,9 @@
           </a:lstStyle>
           <a:p>
             <a:r>
-              <a:rPr lang="en-US" smtClean="0"/>
+              <a:rPr lang="en-US"/>
               <a:t>Click to edit Master subtitle style</a:t>
             </a:r>
-            <a:endParaRPr lang="en-US"/>
           </a:p>
         </p:txBody>
       </p:sp>
@@ -837,10 +910,9 @@
           <a:lstStyle/>
           <a:p>
             <a:r>
-              <a:rPr lang="en-US" smtClean="0"/>
+              <a:rPr lang="en-US"/>
               <a:t>Click to edit Master title style</a:t>
             </a:r>
-            <a:endParaRPr lang="en-US"/>
           </a:p>
         </p:txBody>
       </p:sp>
@@ -861,38 +933,37 @@
           <a:p>
             <a:pPr lvl="0"/>
             <a:r>
-              <a:rPr lang="en-US" smtClean="0"/>
+              <a:rPr lang="en-US"/>
               <a:t>Click to edit Master text styles</a:t>
             </a:r>
           </a:p>
           <a:p>
             <a:pPr lvl="1"/>
             <a:r>
-              <a:rPr lang="en-US" smtClean="0"/>
+              <a:rPr lang="en-US"/>
               <a:t>Second level</a:t>
             </a:r>
           </a:p>
           <a:p>
             <a:pPr lvl="2"/>
             <a:r>
-              <a:rPr lang="en-US" smtClean="0"/>
+              <a:rPr lang="en-US"/>
               <a:t>Third level</a:t>
             </a:r>
           </a:p>
           <a:p>
             <a:pPr lvl="3"/>
             <a:r>
-              <a:rPr lang="en-US" smtClean="0"/>
+              <a:rPr lang="en-US"/>
               <a:t>Fourth level</a:t>
             </a:r>
           </a:p>
           <a:p>
             <a:pPr lvl="4"/>
             <a:r>
-              <a:rPr lang="en-US" smtClean="0"/>
+              <a:rPr lang="en-US"/>
               <a:t>Fifth level</a:t>
             </a:r>
-            <a:endParaRPr lang="en-US"/>
           </a:p>
         </p:txBody>
       </p:sp>
@@ -1016,10 +1087,9 @@
           <a:lstStyle/>
           <a:p>
             <a:r>
-              <a:rPr lang="en-US" smtClean="0"/>
+              <a:rPr lang="en-US"/>
               <a:t>Click to edit Master title style</a:t>
             </a:r>
-            <a:endParaRPr lang="en-US"/>
           </a:p>
         </p:txBody>
       </p:sp>
@@ -1045,38 +1115,37 @@
           <a:p>
             <a:pPr lvl="0"/>
             <a:r>
-              <a:rPr lang="en-US" smtClean="0"/>
+              <a:rPr lang="en-US"/>
               <a:t>Click to edit Master text styles</a:t>
             </a:r>
           </a:p>
           <a:p>
             <a:pPr lvl="1"/>
             <a:r>
-              <a:rPr lang="en-US" smtClean="0"/>
+              <a:rPr lang="en-US"/>
               <a:t>Second level</a:t>
             </a:r>
           </a:p>
           <a:p>
             <a:pPr lvl="2"/>
             <a:r>
-              <a:rPr lang="en-US" smtClean="0"/>
+              <a:rPr lang="en-US"/>
               <a:t>Third level</a:t>
             </a:r>
           </a:p>
           <a:p>
             <a:pPr lvl="3"/>
             <a:r>
-              <a:rPr lang="en-US" smtClean="0"/>
+              <a:rPr lang="en-US"/>
               <a:t>Fourth level</a:t>
             </a:r>
           </a:p>
           <a:p>
             <a:pPr lvl="4"/>
             <a:r>
-              <a:rPr lang="en-US" smtClean="0"/>
+              <a:rPr lang="en-US"/>
               <a:t>Fifth level</a:t>
             </a:r>
-            <a:endParaRPr lang="en-US"/>
           </a:p>
         </p:txBody>
       </p:sp>
@@ -1195,10 +1264,9 @@
           <a:lstStyle/>
           <a:p>
             <a:r>
-              <a:rPr lang="en-US" smtClean="0"/>
+              <a:rPr lang="en-US"/>
               <a:t>Click to edit Master title style</a:t>
             </a:r>
-            <a:endParaRPr lang="en-US"/>
           </a:p>
         </p:txBody>
       </p:sp>
@@ -1219,38 +1287,37 @@
           <a:p>
             <a:pPr lvl="0"/>
             <a:r>
-              <a:rPr lang="en-US" smtClean="0"/>
+              <a:rPr lang="en-US"/>
               <a:t>Click to edit Master text styles</a:t>
             </a:r>
           </a:p>
           <a:p>
             <a:pPr lvl="1"/>
             <a:r>
-              <a:rPr lang="en-US" smtClean="0"/>
+              <a:rPr lang="en-US"/>
               <a:t>Second level</a:t>
             </a:r>
           </a:p>
           <a:p>
             <a:pPr lvl="2"/>
             <a:r>
-              <a:rPr lang="en-US" smtClean="0"/>
+              <a:rPr lang="en-US"/>
               <a:t>Third level</a:t>
             </a:r>
           </a:p>
           <a:p>
             <a:pPr lvl="3"/>
             <a:r>
-              <a:rPr lang="en-US" smtClean="0"/>
+              <a:rPr lang="en-US"/>
               <a:t>Fourth level</a:t>
             </a:r>
           </a:p>
           <a:p>
             <a:pPr lvl="4"/>
             <a:r>
-              <a:rPr lang="en-US" smtClean="0"/>
+              <a:rPr lang="en-US"/>
               <a:t>Fifth level</a:t>
             </a:r>
-            <a:endParaRPr lang="en-US"/>
           </a:p>
         </p:txBody>
       </p:sp>
@@ -1378,10 +1445,9 @@
           </a:lstStyle>
           <a:p>
             <a:r>
-              <a:rPr lang="en-US" smtClean="0"/>
+              <a:rPr lang="en-US"/>
               <a:t>Click to edit Master title style</a:t>
             </a:r>
-            <a:endParaRPr lang="en-US"/>
           </a:p>
         </p:txBody>
       </p:sp>
@@ -1444,7 +1510,7 @@
           <a:p>
             <a:pPr lvl="0"/>
             <a:r>
-              <a:rPr lang="en-US" smtClean="0"/>
+              <a:rPr lang="en-US"/>
               <a:t>Click to edit Master text styles</a:t>
             </a:r>
           </a:p>
@@ -1565,10 +1631,9 @@
           <a:lstStyle/>
           <a:p>
             <a:r>
-              <a:rPr lang="en-US" smtClean="0"/>
+              <a:rPr lang="en-US"/>
               <a:t>Click to edit Master title style</a:t>
             </a:r>
-            <a:endParaRPr lang="en-US"/>
           </a:p>
         </p:txBody>
       </p:sp>
@@ -1622,38 +1687,37 @@
           <a:p>
             <a:pPr lvl="0"/>
             <a:r>
-              <a:rPr lang="en-US" smtClean="0"/>
+              <a:rPr lang="en-US"/>
               <a:t>Click to edit Master text styles</a:t>
             </a:r>
           </a:p>
           <a:p>
             <a:pPr lvl="1"/>
             <a:r>
-              <a:rPr lang="en-US" smtClean="0"/>
+              <a:rPr lang="en-US"/>
               <a:t>Second level</a:t>
             </a:r>
           </a:p>
           <a:p>
             <a:pPr lvl="2"/>
             <a:r>
-              <a:rPr lang="en-US" smtClean="0"/>
+              <a:rPr lang="en-US"/>
               <a:t>Third level</a:t>
             </a:r>
           </a:p>
           <a:p>
             <a:pPr lvl="3"/>
             <a:r>
-              <a:rPr lang="en-US" smtClean="0"/>
+              <a:rPr lang="en-US"/>
               <a:t>Fourth level</a:t>
             </a:r>
           </a:p>
           <a:p>
             <a:pPr lvl="4"/>
             <a:r>
-              <a:rPr lang="en-US" smtClean="0"/>
+              <a:rPr lang="en-US"/>
               <a:t>Fifth level</a:t>
             </a:r>
-            <a:endParaRPr lang="en-US"/>
           </a:p>
         </p:txBody>
       </p:sp>
@@ -1707,38 +1771,37 @@
           <a:p>
             <a:pPr lvl="0"/>
             <a:r>
-              <a:rPr lang="en-US" smtClean="0"/>
+              <a:rPr lang="en-US"/>
               <a:t>Click to edit Master text styles</a:t>
             </a:r>
           </a:p>
           <a:p>
             <a:pPr lvl="1"/>
             <a:r>
-              <a:rPr lang="en-US" smtClean="0"/>
+              <a:rPr lang="en-US"/>
               <a:t>Second level</a:t>
             </a:r>
           </a:p>
           <a:p>
             <a:pPr lvl="2"/>
             <a:r>
-              <a:rPr lang="en-US" smtClean="0"/>
+              <a:rPr lang="en-US"/>
               <a:t>Third level</a:t>
             </a:r>
           </a:p>
           <a:p>
             <a:pPr lvl="3"/>
             <a:r>
-              <a:rPr lang="en-US" smtClean="0"/>
+              <a:rPr lang="en-US"/>
               <a:t>Fourth level</a:t>
             </a:r>
           </a:p>
           <a:p>
             <a:pPr lvl="4"/>
             <a:r>
-              <a:rPr lang="en-US" smtClean="0"/>
+              <a:rPr lang="en-US"/>
               <a:t>Fifth level</a:t>
             </a:r>
-            <a:endParaRPr lang="en-US"/>
           </a:p>
         </p:txBody>
       </p:sp>
@@ -1866,10 +1929,9 @@
           </a:lstStyle>
           <a:p>
             <a:r>
-              <a:rPr lang="en-US" smtClean="0"/>
+              <a:rPr lang="en-US"/>
               <a:t>Click to edit Master title style</a:t>
             </a:r>
-            <a:endParaRPr lang="en-US"/>
           </a:p>
         </p:txBody>
       </p:sp>
@@ -1932,7 +1994,7 @@
           <a:p>
             <a:pPr lvl="0"/>
             <a:r>
-              <a:rPr lang="en-US" smtClean="0"/>
+              <a:rPr lang="en-US"/>
               <a:t>Click to edit Master text styles</a:t>
             </a:r>
           </a:p>
@@ -1988,38 +2050,37 @@
           <a:p>
             <a:pPr lvl="0"/>
             <a:r>
-              <a:rPr lang="en-US" smtClean="0"/>
+              <a:rPr lang="en-US"/>
               <a:t>Click to edit Master text styles</a:t>
             </a:r>
           </a:p>
           <a:p>
             <a:pPr lvl="1"/>
             <a:r>
-              <a:rPr lang="en-US" smtClean="0"/>
+              <a:rPr lang="en-US"/>
               <a:t>Second level</a:t>
             </a:r>
           </a:p>
           <a:p>
             <a:pPr lvl="2"/>
             <a:r>
-              <a:rPr lang="en-US" smtClean="0"/>
+              <a:rPr lang="en-US"/>
               <a:t>Third level</a:t>
             </a:r>
           </a:p>
           <a:p>
             <a:pPr lvl="3"/>
             <a:r>
-              <a:rPr lang="en-US" smtClean="0"/>
+              <a:rPr lang="en-US"/>
               <a:t>Fourth level</a:t>
             </a:r>
           </a:p>
           <a:p>
             <a:pPr lvl="4"/>
             <a:r>
-              <a:rPr lang="en-US" smtClean="0"/>
+              <a:rPr lang="en-US"/>
               <a:t>Fifth level</a:t>
             </a:r>
-            <a:endParaRPr lang="en-US"/>
           </a:p>
         </p:txBody>
       </p:sp>
@@ -2082,7 +2143,7 @@
           <a:p>
             <a:pPr lvl="0"/>
             <a:r>
-              <a:rPr lang="en-US" smtClean="0"/>
+              <a:rPr lang="en-US"/>
               <a:t>Click to edit Master text styles</a:t>
             </a:r>
           </a:p>
@@ -2138,38 +2199,37 @@
           <a:p>
             <a:pPr lvl="0"/>
             <a:r>
-              <a:rPr lang="en-US" smtClean="0"/>
+              <a:rPr lang="en-US"/>
               <a:t>Click to edit Master text styles</a:t>
             </a:r>
           </a:p>
           <a:p>
             <a:pPr lvl="1"/>
             <a:r>
-              <a:rPr lang="en-US" smtClean="0"/>
+              <a:rPr lang="en-US"/>
               <a:t>Second level</a:t>
             </a:r>
           </a:p>
           <a:p>
             <a:pPr lvl="2"/>
             <a:r>
-              <a:rPr lang="en-US" smtClean="0"/>
+              <a:rPr lang="en-US"/>
               <a:t>Third level</a:t>
             </a:r>
           </a:p>
           <a:p>
             <a:pPr lvl="3"/>
             <a:r>
-              <a:rPr lang="en-US" smtClean="0"/>
+              <a:rPr lang="en-US"/>
               <a:t>Fourth level</a:t>
             </a:r>
           </a:p>
           <a:p>
             <a:pPr lvl="4"/>
             <a:r>
-              <a:rPr lang="en-US" smtClean="0"/>
+              <a:rPr lang="en-US"/>
               <a:t>Fifth level</a:t>
             </a:r>
-            <a:endParaRPr lang="en-US"/>
           </a:p>
         </p:txBody>
       </p:sp>
@@ -2288,10 +2348,9 @@
           <a:lstStyle/>
           <a:p>
             <a:r>
-              <a:rPr lang="en-US" smtClean="0"/>
+              <a:rPr lang="en-US"/>
               <a:t>Click to edit Master title style</a:t>
             </a:r>
-            <a:endParaRPr lang="en-US"/>
           </a:p>
         </p:txBody>
       </p:sp>
@@ -2518,10 +2577,9 @@
           </a:lstStyle>
           <a:p>
             <a:r>
-              <a:rPr lang="en-US" smtClean="0"/>
+              <a:rPr lang="en-US"/>
               <a:t>Click to edit Master title style</a:t>
             </a:r>
-            <a:endParaRPr lang="en-US"/>
           </a:p>
         </p:txBody>
       </p:sp>
@@ -2575,38 +2633,37 @@
           <a:p>
             <a:pPr lvl="0"/>
             <a:r>
-              <a:rPr lang="en-US" smtClean="0"/>
+              <a:rPr lang="en-US"/>
               <a:t>Click to edit Master text styles</a:t>
             </a:r>
           </a:p>
           <a:p>
             <a:pPr lvl="1"/>
             <a:r>
-              <a:rPr lang="en-US" smtClean="0"/>
+              <a:rPr lang="en-US"/>
               <a:t>Second level</a:t>
             </a:r>
           </a:p>
           <a:p>
             <a:pPr lvl="2"/>
             <a:r>
-              <a:rPr lang="en-US" smtClean="0"/>
+              <a:rPr lang="en-US"/>
               <a:t>Third level</a:t>
             </a:r>
           </a:p>
           <a:p>
             <a:pPr lvl="3"/>
             <a:r>
-              <a:rPr lang="en-US" smtClean="0"/>
+              <a:rPr lang="en-US"/>
               <a:t>Fourth level</a:t>
             </a:r>
           </a:p>
           <a:p>
             <a:pPr lvl="4"/>
             <a:r>
-              <a:rPr lang="en-US" smtClean="0"/>
+              <a:rPr lang="en-US"/>
               <a:t>Fifth level</a:t>
             </a:r>
-            <a:endParaRPr lang="en-US"/>
           </a:p>
         </p:txBody>
       </p:sp>
@@ -2669,7 +2726,7 @@
           <a:p>
             <a:pPr lvl="0"/>
             <a:r>
-              <a:rPr lang="en-US" smtClean="0"/>
+              <a:rPr lang="en-US"/>
               <a:t>Click to edit Master text styles</a:t>
             </a:r>
           </a:p>
@@ -2799,10 +2856,9 @@
           </a:lstStyle>
           <a:p>
             <a:r>
-              <a:rPr lang="en-US" smtClean="0"/>
+              <a:rPr lang="en-US"/>
               <a:t>Click to edit Master title style</a:t>
             </a:r>
-            <a:endParaRPr lang="en-US"/>
           </a:p>
         </p:txBody>
       </p:sp>
@@ -2864,10 +2920,9 @@
           </a:lstStyle>
           <a:p>
             <a:r>
-              <a:rPr lang="en-US" smtClean="0"/>
+              <a:rPr lang="en-US"/>
               <a:t>Click icon to add picture</a:t>
             </a:r>
-            <a:endParaRPr lang="en-US"/>
           </a:p>
         </p:txBody>
       </p:sp>
@@ -2930,7 +2985,7 @@
           <a:p>
             <a:pPr lvl="0"/>
             <a:r>
-              <a:rPr lang="en-US" smtClean="0"/>
+              <a:rPr lang="en-US"/>
               <a:t>Click to edit Master text styles</a:t>
             </a:r>
           </a:p>
@@ -3552,10 +3607,9 @@
           <a:p>
             <a:pPr lvl="0"/>
             <a:r>
-              <a:rPr lang="en-US" smtClean="0"/>
+              <a:rPr lang="en-US"/>
               <a:t>Click to edit Master title style</a:t>
             </a:r>
-            <a:endParaRPr lang="en-US" smtClean="0"/>
           </a:p>
         </p:txBody>
       </p:sp>
@@ -3596,38 +3650,37 @@
           <a:p>
             <a:pPr lvl="0"/>
             <a:r>
-              <a:rPr lang="en-US" smtClean="0"/>
+              <a:rPr lang="en-US"/>
               <a:t>Click to edit Master text styles</a:t>
             </a:r>
           </a:p>
           <a:p>
             <a:pPr lvl="1"/>
             <a:r>
-              <a:rPr lang="en-US" smtClean="0"/>
+              <a:rPr lang="en-US"/>
               <a:t>Second level</a:t>
             </a:r>
           </a:p>
           <a:p>
             <a:pPr lvl="2"/>
             <a:r>
-              <a:rPr lang="en-US" smtClean="0"/>
+              <a:rPr lang="en-US"/>
               <a:t>Third level</a:t>
             </a:r>
           </a:p>
           <a:p>
             <a:pPr lvl="3"/>
             <a:r>
-              <a:rPr lang="en-US" smtClean="0"/>
+              <a:rPr lang="en-US"/>
               <a:t>Fourth level</a:t>
             </a:r>
           </a:p>
           <a:p>
             <a:pPr lvl="4"/>
             <a:r>
-              <a:rPr lang="en-US" smtClean="0"/>
+              <a:rPr lang="en-US"/>
               <a:t>Fifth level</a:t>
             </a:r>
-            <a:endParaRPr lang="en-US" smtClean="0"/>
           </a:p>
         </p:txBody>
       </p:sp>
@@ -4132,10 +4185,9 @@
           <a:lstStyle/>
           <a:p>
             <a:r>
-              <a:rPr lang="en-US" dirty="0" smtClean="0"/>
+              <a:rPr lang="en-US" dirty="0"/>
               <a:t>Software Engineering 2: Poker App</a:t>
             </a:r>
-            <a:endParaRPr lang="en-US" dirty="0"/>
           </a:p>
         </p:txBody>
       </p:sp>
@@ -4155,11 +4207,11 @@
           <a:lstStyle/>
           <a:p>
             <a:r>
-              <a:rPr lang="en-US" dirty="0" smtClean="0"/>
+              <a:rPr lang="en-US" dirty="0"/>
               <a:t>By James Fallon, Ryan Pratt, and Jacob </a:t>
             </a:r>
             <a:r>
-              <a:rPr lang="en-US" dirty="0" err="1" smtClean="0"/>
+              <a:rPr lang="en-US" dirty="0" err="1"/>
               <a:t>Zahn</a:t>
             </a:r>
             <a:endParaRPr lang="en-US" dirty="0"/>
@@ -4207,10 +4259,9 @@
           <a:lstStyle/>
           <a:p>
             <a:r>
-              <a:rPr lang="en-US" dirty="0" smtClean="0"/>
+              <a:rPr lang="en-US" dirty="0"/>
               <a:t>Application</a:t>
             </a:r>
-            <a:endParaRPr lang="en-US" dirty="0"/>
           </a:p>
         </p:txBody>
       </p:sp>
@@ -4230,21 +4281,21 @@
           <a:lstStyle/>
           <a:p>
             <a:r>
-              <a:rPr lang="en-US" dirty="0" smtClean="0"/>
-              <a:t>Our goal is to create a cross platform application with IOS, Android, and PC capabilities to play the poker game blackjack.</a:t>
-            </a:r>
-          </a:p>
-          <a:p>
-            <a:r>
-              <a:rPr lang="en-US" dirty="0" smtClean="0"/>
+              <a:rPr lang="en-US" dirty="0"/>
+              <a:t>Our goal is to create a cross platform application with iOS and Android capabilities to play the poker game blackjack.</a:t>
+            </a:r>
+          </a:p>
+          <a:p>
+            <a:r>
+              <a:rPr lang="en-US" dirty="0"/>
               <a:t>We utilize JavaScript within the </a:t>
             </a:r>
             <a:r>
-              <a:rPr lang="en-US" dirty="0" err="1" smtClean="0"/>
+              <a:rPr lang="en-US" dirty="0" err="1"/>
               <a:t>Vue</a:t>
             </a:r>
             <a:r>
-              <a:rPr lang="en-US" dirty="0" smtClean="0"/>
+              <a:rPr lang="en-US" dirty="0"/>
               <a:t>-Native framework to implement this goal.</a:t>
             </a:r>
           </a:p>
@@ -4294,10 +4345,9 @@
           <a:lstStyle/>
           <a:p>
             <a:r>
-              <a:rPr lang="en-US" dirty="0" smtClean="0"/>
+              <a:rPr lang="en-US" dirty="0"/>
               <a:t>Blackjack</a:t>
             </a:r>
-            <a:endParaRPr lang="en-US" dirty="0"/>
           </a:p>
         </p:txBody>
       </p:sp>
@@ -4317,16 +4367,15 @@
           <a:lstStyle/>
           <a:p>
             <a:r>
-              <a:rPr lang="en-US" dirty="0" smtClean="0"/>
+              <a:rPr lang="en-US" dirty="0"/>
               <a:t>Blackjack is played with a traditional 52 card deck against the AI dealer.</a:t>
             </a:r>
           </a:p>
           <a:p>
             <a:r>
-              <a:rPr lang="en-US" dirty="0" smtClean="0"/>
+              <a:rPr lang="en-US" dirty="0"/>
               <a:t>The goal of the game is to get a score of 21 or as close as possible to 21. The game is played between the user and dealer and whoever is closer wins the pot bet at the beginning of the round.</a:t>
             </a:r>
-            <a:endParaRPr lang="en-US" dirty="0"/>
           </a:p>
         </p:txBody>
       </p:sp>
@@ -4371,10 +4420,9 @@
           <a:lstStyle/>
           <a:p>
             <a:r>
-              <a:rPr lang="en-US" dirty="0" smtClean="0"/>
+              <a:rPr lang="en-US" dirty="0"/>
               <a:t>Blackjack Features</a:t>
             </a:r>
-            <a:endParaRPr lang="en-US" dirty="0"/>
           </a:p>
         </p:txBody>
       </p:sp>
@@ -4394,13 +4442,13 @@
           <a:lstStyle/>
           <a:p>
             <a:r>
-              <a:rPr lang="en-US" dirty="0" smtClean="0"/>
+              <a:rPr lang="en-US" dirty="0"/>
               <a:t>Aces are counted as 1 or 11, 2 to 10 is according to the pip value, and face cards are counted as 10’s. The player and dealer initially draw two cards and sum together the total.</a:t>
             </a:r>
           </a:p>
           <a:p>
             <a:r>
-              <a:rPr lang="en-US" dirty="0" smtClean="0"/>
+              <a:rPr lang="en-US" dirty="0"/>
               <a:t>The player may do the following actions: hit, stand, split, or double down.</a:t>
             </a:r>
           </a:p>
@@ -4450,14 +4498,13 @@
           <a:lstStyle/>
           <a:p>
             <a:r>
-              <a:rPr lang="en-US" dirty="0" err="1" smtClean="0"/>
+              <a:rPr lang="en-US" dirty="0" err="1"/>
               <a:t>Vue</a:t>
             </a:r>
             <a:r>
-              <a:rPr lang="en-US" dirty="0" smtClean="0"/>
+              <a:rPr lang="en-US" dirty="0"/>
               <a:t>-Native</a:t>
             </a:r>
-            <a:endParaRPr lang="en-US" dirty="0"/>
           </a:p>
         </p:txBody>
       </p:sp>
@@ -4477,22 +4524,27 @@
           <a:lstStyle/>
           <a:p>
             <a:r>
-              <a:rPr lang="en-US" dirty="0" smtClean="0"/>
+              <a:rPr lang="en-US" dirty="0"/>
               <a:t>Is the JavaScript based framework we utilized in the project.</a:t>
             </a:r>
           </a:p>
           <a:p>
             <a:r>
-              <a:rPr lang="en-US" dirty="0" smtClean="0"/>
-              <a:t>It utilizes an HTML based template to build the layout of the application.</a:t>
-            </a:r>
-          </a:p>
-          <a:p>
-            <a:r>
-              <a:rPr lang="en-US" dirty="0" smtClean="0"/>
+              <a:rPr lang="en-US" dirty="0"/>
+              <a:t>It utilizes an HTML-like template to build the layout of the application.</a:t>
+            </a:r>
+          </a:p>
+          <a:p>
+            <a:r>
+              <a:rPr lang="en-US" dirty="0"/>
               <a:t>It is a flexible framework that is compatible through multiple platforms.</a:t>
             </a:r>
-            <a:endParaRPr lang="en-US" dirty="0"/>
+          </a:p>
+          <a:p>
+            <a:r>
+              <a:rPr lang="en-US" dirty="0"/>
+              <a:t>Built on Facebook’s React Native</a:t>
+            </a:r>
           </a:p>
         </p:txBody>
       </p:sp>
@@ -4537,10 +4589,9 @@
           <a:lstStyle/>
           <a:p>
             <a:r>
-              <a:rPr lang="en-US" dirty="0" smtClean="0"/>
+              <a:rPr lang="en-US" dirty="0"/>
               <a:t>Planning</a:t>
             </a:r>
-            <a:endParaRPr lang="en-US" dirty="0"/>
           </a:p>
         </p:txBody>
       </p:sp>
@@ -4560,16 +4611,15 @@
           <a:lstStyle/>
           <a:p>
             <a:r>
-              <a:rPr lang="en-US" dirty="0" smtClean="0"/>
+              <a:rPr lang="en-US" dirty="0"/>
               <a:t>Our group started by brainstorming some ideas before deciding to take on the poker application.</a:t>
             </a:r>
           </a:p>
           <a:p>
             <a:r>
-              <a:rPr lang="en-US" dirty="0" smtClean="0"/>
+              <a:rPr lang="en-US" dirty="0"/>
               <a:t>On paper we came up with the components of the game that helped us build the requirements specifications.</a:t>
             </a:r>
-            <a:endParaRPr lang="en-US" dirty="0"/>
           </a:p>
         </p:txBody>
       </p:sp>
@@ -4614,10 +4664,9 @@
           <a:lstStyle/>
           <a:p>
             <a:r>
-              <a:rPr lang="en-US" dirty="0" smtClean="0"/>
+              <a:rPr lang="en-US" dirty="0"/>
               <a:t>Organization</a:t>
             </a:r>
-            <a:endParaRPr lang="en-US" dirty="0"/>
           </a:p>
         </p:txBody>
       </p:sp>
@@ -4637,26 +4686,29 @@
           <a:lstStyle/>
           <a:p>
             <a:r>
-              <a:rPr lang="en-US" dirty="0" smtClean="0"/>
+              <a:rPr lang="en-US" dirty="0"/>
               <a:t>Group meetings and text communication were our main sources of organizing. </a:t>
             </a:r>
           </a:p>
           <a:p>
             <a:r>
-              <a:rPr lang="en-US" dirty="0" smtClean="0"/>
+              <a:rPr lang="en-US" dirty="0"/>
               <a:t>Our schedules conflicted but we found time to meet during the allotted group work days and weekends.</a:t>
             </a:r>
           </a:p>
           <a:p>
             <a:r>
-              <a:rPr lang="en-US" dirty="0" err="1" smtClean="0"/>
-              <a:t>GitHub</a:t>
-            </a:r>
-            <a:r>
-              <a:rPr lang="en-US" dirty="0" smtClean="0"/>
-              <a:t> served as the median of version control.</a:t>
-            </a:r>
-            <a:endParaRPr lang="en-US" dirty="0"/>
+              <a:rPr lang="en-US" dirty="0"/>
+              <a:t>GitHub served as </a:t>
+            </a:r>
+            <a:r>
+              <a:rPr lang="en-US"/>
+              <a:t>the medium </a:t>
+            </a:r>
+            <a:r>
+              <a:rPr lang="en-US" dirty="0"/>
+              <a:t>of version control.</a:t>
+            </a:r>
           </a:p>
         </p:txBody>
       </p:sp>

--- a/Software Engineering 2.pptx
+++ b/Software Engineering 2.pptx
@@ -6,12 +6,18 @@
   </p:sldMasterIdLst>
   <p:sldIdLst>
     <p:sldId id="256" r:id="rId2"/>
-    <p:sldId id="260" r:id="rId3"/>
-    <p:sldId id="257" r:id="rId4"/>
-    <p:sldId id="262" r:id="rId5"/>
-    <p:sldId id="258" r:id="rId6"/>
-    <p:sldId id="259" r:id="rId7"/>
-    <p:sldId id="261" r:id="rId8"/>
+    <p:sldId id="263" r:id="rId3"/>
+    <p:sldId id="260" r:id="rId4"/>
+    <p:sldId id="257" r:id="rId5"/>
+    <p:sldId id="262" r:id="rId6"/>
+    <p:sldId id="258" r:id="rId7"/>
+    <p:sldId id="264" r:id="rId8"/>
+    <p:sldId id="259" r:id="rId9"/>
+    <p:sldId id="261" r:id="rId10"/>
+    <p:sldId id="265" r:id="rId11"/>
+    <p:sldId id="266" r:id="rId12"/>
+    <p:sldId id="269" r:id="rId13"/>
+    <p:sldId id="267" r:id="rId14"/>
   </p:sldIdLst>
   <p:sldSz cx="9144000" cy="6858000" type="screen4x3"/>
   <p:notesSz cx="6858000" cy="9144000"/>
@@ -142,7 +148,7 @@
   </p:defaultTextStyle>
   <p:extLst>
     <p:ext uri="{EFAFB233-063F-42B5-8137-9DF3F51BA10A}">
-      <p15:sldGuideLst xmlns:p15="http://schemas.microsoft.com/office/powerpoint/2012/main">
+      <p15:sldGuideLst xmlns:p15="http://schemas.microsoft.com/office/powerpoint/2012/main" xmlns="">
         <p15:guide id="1" orient="horz" pos="2160">
           <p15:clr>
             <a:srgbClr val="A4A3A4"/>
@@ -4226,6 +4232,313 @@
 </p:sld>
 </file>
 
+<file path=ppt/slides/slide10.xml><?xml version="1.0" encoding="utf-8"?>
+<p:sld xmlns:a="http://schemas.openxmlformats.org/drawingml/2006/main" xmlns:r="http://schemas.openxmlformats.org/officeDocument/2006/relationships" xmlns:p="http://schemas.openxmlformats.org/presentationml/2006/main">
+  <p:cSld>
+    <p:spTree>
+      <p:nvGrpSpPr>
+        <p:cNvPr id="1" name=""/>
+        <p:cNvGrpSpPr/>
+        <p:nvPr/>
+      </p:nvGrpSpPr>
+      <p:grpSpPr>
+        <a:xfrm>
+          <a:off x="0" y="0"/>
+          <a:ext cx="0" cy="0"/>
+          <a:chOff x="0" y="0"/>
+          <a:chExt cx="0" cy="0"/>
+        </a:xfrm>
+      </p:grpSpPr>
+      <p:sp>
+        <p:nvSpPr>
+          <p:cNvPr id="2" name="Title 1"/>
+          <p:cNvSpPr>
+            <a:spLocks noGrp="1"/>
+          </p:cNvSpPr>
+          <p:nvPr>
+            <p:ph type="title"/>
+          </p:nvPr>
+        </p:nvSpPr>
+        <p:spPr/>
+        <p:txBody>
+          <a:bodyPr/>
+          <a:lstStyle/>
+          <a:p>
+            <a:r>
+              <a:rPr lang="en-US" dirty="0" smtClean="0"/>
+              <a:t>Development Methods</a:t>
+            </a:r>
+            <a:endParaRPr lang="en-US" dirty="0"/>
+          </a:p>
+        </p:txBody>
+      </p:sp>
+      <p:sp>
+        <p:nvSpPr>
+          <p:cNvPr id="3" name="Content Placeholder 2"/>
+          <p:cNvSpPr>
+            <a:spLocks noGrp="1"/>
+          </p:cNvSpPr>
+          <p:nvPr>
+            <p:ph idx="1"/>
+          </p:nvPr>
+        </p:nvSpPr>
+        <p:spPr/>
+        <p:txBody>
+          <a:bodyPr/>
+          <a:lstStyle/>
+          <a:p>
+            <a:r>
+              <a:rPr lang="en-US" dirty="0" smtClean="0"/>
+              <a:t>We took an agile development approach with goal based sprints that we determined whenever we would meet.</a:t>
+            </a:r>
+          </a:p>
+          <a:p>
+            <a:endParaRPr lang="en-US" dirty="0" smtClean="0"/>
+          </a:p>
+          <a:p>
+            <a:r>
+              <a:rPr lang="en-US" dirty="0" smtClean="0"/>
+              <a:t>Scheduled out benchmarks for these sprints.</a:t>
+            </a:r>
+          </a:p>
+          <a:p>
+            <a:endParaRPr lang="en-US" dirty="0" smtClean="0"/>
+          </a:p>
+          <a:p>
+            <a:pPr>
+              <a:buNone/>
+            </a:pPr>
+            <a:endParaRPr lang="en-US" dirty="0" smtClean="0"/>
+          </a:p>
+          <a:p>
+            <a:endParaRPr lang="en-US" dirty="0"/>
+          </a:p>
+        </p:txBody>
+      </p:sp>
+    </p:spTree>
+  </p:cSld>
+  <p:clrMapOvr>
+    <a:masterClrMapping/>
+  </p:clrMapOvr>
+</p:sld>
+</file>
+
+<file path=ppt/slides/slide11.xml><?xml version="1.0" encoding="utf-8"?>
+<p:sld xmlns:a="http://schemas.openxmlformats.org/drawingml/2006/main" xmlns:r="http://schemas.openxmlformats.org/officeDocument/2006/relationships" xmlns:p="http://schemas.openxmlformats.org/presentationml/2006/main">
+  <p:cSld>
+    <p:spTree>
+      <p:nvGrpSpPr>
+        <p:cNvPr id="1" name=""/>
+        <p:cNvGrpSpPr/>
+        <p:nvPr/>
+      </p:nvGrpSpPr>
+      <p:grpSpPr>
+        <a:xfrm>
+          <a:off x="0" y="0"/>
+          <a:ext cx="0" cy="0"/>
+          <a:chOff x="0" y="0"/>
+          <a:chExt cx="0" cy="0"/>
+        </a:xfrm>
+      </p:grpSpPr>
+      <p:sp>
+        <p:nvSpPr>
+          <p:cNvPr id="2" name="Title 1"/>
+          <p:cNvSpPr>
+            <a:spLocks noGrp="1"/>
+          </p:cNvSpPr>
+          <p:nvPr>
+            <p:ph type="title"/>
+          </p:nvPr>
+        </p:nvSpPr>
+        <p:spPr/>
+        <p:txBody>
+          <a:bodyPr/>
+          <a:lstStyle/>
+          <a:p>
+            <a:r>
+              <a:rPr lang="en-US" dirty="0" smtClean="0"/>
+              <a:t>Planning Schedule</a:t>
+            </a:r>
+            <a:endParaRPr lang="en-US" dirty="0"/>
+          </a:p>
+        </p:txBody>
+      </p:sp>
+      <p:pic>
+        <p:nvPicPr>
+          <p:cNvPr id="1026" name="Picture 2" descr="https://i.gyazo.com/f2464631197ef4126301204eaae52dfe.png"/>
+          <p:cNvPicPr>
+            <a:picLocks noChangeAspect="1" noChangeArrowheads="1"/>
+          </p:cNvPicPr>
+          <p:nvPr/>
+        </p:nvPicPr>
+        <p:blipFill>
+          <a:blip r:embed="rId2" cstate="print"/>
+          <a:srcRect/>
+          <a:stretch>
+            <a:fillRect/>
+          </a:stretch>
+        </p:blipFill>
+        <p:spPr bwMode="auto">
+          <a:xfrm>
+            <a:off x="152400" y="1676400"/>
+            <a:ext cx="8860850" cy="4876800"/>
+          </a:xfrm>
+          <a:prstGeom prst="rect">
+            <a:avLst/>
+          </a:prstGeom>
+          <a:noFill/>
+        </p:spPr>
+      </p:pic>
+    </p:spTree>
+  </p:cSld>
+  <p:clrMapOvr>
+    <a:masterClrMapping/>
+  </p:clrMapOvr>
+</p:sld>
+</file>
+
+<file path=ppt/slides/slide12.xml><?xml version="1.0" encoding="utf-8"?>
+<p:sld xmlns:a="http://schemas.openxmlformats.org/drawingml/2006/main" xmlns:r="http://schemas.openxmlformats.org/officeDocument/2006/relationships" xmlns:p="http://schemas.openxmlformats.org/presentationml/2006/main">
+  <p:cSld>
+    <p:spTree>
+      <p:nvGrpSpPr>
+        <p:cNvPr id="1" name=""/>
+        <p:cNvGrpSpPr/>
+        <p:nvPr/>
+      </p:nvGrpSpPr>
+      <p:grpSpPr>
+        <a:xfrm>
+          <a:off x="0" y="0"/>
+          <a:ext cx="0" cy="0"/>
+          <a:chOff x="0" y="0"/>
+          <a:chExt cx="0" cy="0"/>
+        </a:xfrm>
+      </p:grpSpPr>
+      <p:sp>
+        <p:nvSpPr>
+          <p:cNvPr id="2" name="Title 1"/>
+          <p:cNvSpPr>
+            <a:spLocks noGrp="1"/>
+          </p:cNvSpPr>
+          <p:nvPr>
+            <p:ph type="title"/>
+          </p:nvPr>
+        </p:nvSpPr>
+        <p:spPr/>
+        <p:txBody>
+          <a:bodyPr/>
+          <a:lstStyle/>
+          <a:p>
+            <a:r>
+              <a:rPr lang="en-US" dirty="0" smtClean="0"/>
+              <a:t>Requirements Doc Changes</a:t>
+            </a:r>
+            <a:endParaRPr lang="en-US" dirty="0"/>
+          </a:p>
+        </p:txBody>
+      </p:sp>
+      <p:sp>
+        <p:nvSpPr>
+          <p:cNvPr id="3" name="Content Placeholder 2"/>
+          <p:cNvSpPr>
+            <a:spLocks noGrp="1"/>
+          </p:cNvSpPr>
+          <p:nvPr>
+            <p:ph idx="1"/>
+          </p:nvPr>
+        </p:nvSpPr>
+        <p:spPr/>
+        <p:txBody>
+          <a:bodyPr/>
+          <a:lstStyle/>
+          <a:p>
+            <a:r>
+              <a:rPr lang="en-US" dirty="0" smtClean="0"/>
+              <a:t>Texas </a:t>
+            </a:r>
+            <a:r>
+              <a:rPr lang="en-US" dirty="0" err="1" smtClean="0"/>
+              <a:t>Hold’em</a:t>
+            </a:r>
+            <a:r>
+              <a:rPr lang="en-US" dirty="0" smtClean="0"/>
+              <a:t> functionality will be limited ( Or removed ) as programming the AI is very complex and we are constrained on time.</a:t>
+            </a:r>
+            <a:endParaRPr lang="en-US" dirty="0" smtClean="0"/>
+          </a:p>
+          <a:p>
+            <a:r>
+              <a:rPr lang="en-US" dirty="0" smtClean="0"/>
+              <a:t>Game play/Menu is not as graphically pleasing as initially intended. </a:t>
+            </a:r>
+          </a:p>
+          <a:p>
+            <a:r>
+              <a:rPr lang="en-US" dirty="0" smtClean="0"/>
+              <a:t>Unclear if split option will be added.</a:t>
+            </a:r>
+          </a:p>
+          <a:p>
+            <a:endParaRPr lang="en-US" dirty="0"/>
+          </a:p>
+        </p:txBody>
+      </p:sp>
+    </p:spTree>
+  </p:cSld>
+  <p:clrMapOvr>
+    <a:masterClrMapping/>
+  </p:clrMapOvr>
+</p:sld>
+</file>
+
+<file path=ppt/slides/slide13.xml><?xml version="1.0" encoding="utf-8"?>
+<p:sld xmlns:a="http://schemas.openxmlformats.org/drawingml/2006/main" xmlns:r="http://schemas.openxmlformats.org/officeDocument/2006/relationships" xmlns:p="http://schemas.openxmlformats.org/presentationml/2006/main">
+  <p:cSld>
+    <p:spTree>
+      <p:nvGrpSpPr>
+        <p:cNvPr id="1" name=""/>
+        <p:cNvGrpSpPr/>
+        <p:nvPr/>
+      </p:nvGrpSpPr>
+      <p:grpSpPr>
+        <a:xfrm>
+          <a:off x="0" y="0"/>
+          <a:ext cx="0" cy="0"/>
+          <a:chOff x="0" y="0"/>
+          <a:chExt cx="0" cy="0"/>
+        </a:xfrm>
+      </p:grpSpPr>
+      <p:sp>
+        <p:nvSpPr>
+          <p:cNvPr id="2" name="Title 1"/>
+          <p:cNvSpPr>
+            <a:spLocks noGrp="1"/>
+          </p:cNvSpPr>
+          <p:nvPr>
+            <p:ph type="title"/>
+          </p:nvPr>
+        </p:nvSpPr>
+        <p:spPr/>
+        <p:txBody>
+          <a:bodyPr/>
+          <a:lstStyle/>
+          <a:p>
+            <a:r>
+              <a:rPr lang="en-US" dirty="0" smtClean="0"/>
+              <a:t>Questions?</a:t>
+            </a:r>
+            <a:endParaRPr lang="en-US" dirty="0"/>
+          </a:p>
+        </p:txBody>
+      </p:sp>
+    </p:spTree>
+  </p:cSld>
+  <p:clrMapOvr>
+    <a:masterClrMapping/>
+  </p:clrMapOvr>
+</p:sld>
+</file>
+
 <file path=ppt/slides/slide2.xml><?xml version="1.0" encoding="utf-8"?>
 <p:sld xmlns:a="http://schemas.openxmlformats.org/drawingml/2006/main" xmlns:r="http://schemas.openxmlformats.org/officeDocument/2006/relationships" xmlns:p="http://schemas.openxmlformats.org/presentationml/2006/main">
   <p:cSld>
@@ -4259,9 +4572,10 @@
           <a:lstStyle/>
           <a:p>
             <a:r>
-              <a:rPr lang="en-US" dirty="0"/>
-              <a:t>Application</a:t>
-            </a:r>
+              <a:rPr lang="en-US" dirty="0" smtClean="0"/>
+              <a:t>Roles</a:t>
+            </a:r>
+            <a:endParaRPr lang="en-US" dirty="0"/>
           </a:p>
         </p:txBody>
       </p:sp>
@@ -4280,26 +4594,56 @@
           <a:bodyPr/>
           <a:lstStyle/>
           <a:p>
-            <a:r>
-              <a:rPr lang="en-US" dirty="0"/>
-              <a:t>Our goal is to create a cross platform application with iOS and Android capabilities to play the poker game blackjack.</a:t>
-            </a:r>
-          </a:p>
-          <a:p>
-            <a:r>
-              <a:rPr lang="en-US" dirty="0"/>
-              <a:t>We utilize JavaScript within the </a:t>
-            </a:r>
-            <a:r>
-              <a:rPr lang="en-US" dirty="0" err="1"/>
-              <a:t>Vue</a:t>
-            </a:r>
-            <a:r>
-              <a:rPr lang="en-US" dirty="0"/>
-              <a:t>-Native framework to implement this goal.</a:t>
-            </a:r>
-          </a:p>
-          <a:p>
+            <a:pPr>
+              <a:buNone/>
+            </a:pPr>
+            <a:endParaRPr lang="en-US" dirty="0" smtClean="0"/>
+          </a:p>
+          <a:p>
+            <a:pPr>
+              <a:buNone/>
+            </a:pPr>
+            <a:r>
+              <a:rPr lang="en-US" sz="2800" dirty="0" smtClean="0"/>
+              <a:t>Front End Developer: Ryan Pratt</a:t>
+            </a:r>
+          </a:p>
+          <a:p>
+            <a:pPr>
+              <a:buNone/>
+            </a:pPr>
+            <a:endParaRPr lang="en-US" sz="2800" dirty="0" smtClean="0"/>
+          </a:p>
+          <a:p>
+            <a:pPr>
+              <a:buNone/>
+            </a:pPr>
+            <a:endParaRPr lang="en-US" sz="2800" dirty="0" smtClean="0"/>
+          </a:p>
+          <a:p>
+            <a:pPr>
+              <a:buNone/>
+            </a:pPr>
+            <a:r>
+              <a:rPr lang="en-US" sz="2800" dirty="0" smtClean="0"/>
+              <a:t>Back End Developers: Jacob </a:t>
+            </a:r>
+            <a:r>
+              <a:rPr lang="en-US" sz="2800" dirty="0" err="1" smtClean="0"/>
+              <a:t>Zahn</a:t>
+            </a:r>
+            <a:r>
+              <a:rPr lang="en-US" sz="2800" dirty="0" smtClean="0"/>
+              <a:t>, James Fallon</a:t>
+            </a:r>
+          </a:p>
+          <a:p>
+            <a:endParaRPr lang="en-US" dirty="0" smtClean="0"/>
+          </a:p>
+          <a:p>
+            <a:pPr>
+              <a:buNone/>
+            </a:pPr>
             <a:endParaRPr lang="en-US" dirty="0"/>
           </a:p>
         </p:txBody>
@@ -4346,7 +4690,7 @@
           <a:p>
             <a:r>
               <a:rPr lang="en-US" dirty="0"/>
-              <a:t>Blackjack</a:t>
+              <a:t>Application</a:t>
             </a:r>
           </a:p>
         </p:txBody>
@@ -4368,14 +4712,25 @@
           <a:p>
             <a:r>
               <a:rPr lang="en-US" dirty="0"/>
-              <a:t>Blackjack is played with a traditional 52 card deck against the AI dealer.</a:t>
+              <a:t>Our goal is to create a cross platform application with iOS and Android capabilities to play the poker game blackjack.</a:t>
             </a:r>
           </a:p>
           <a:p>
             <a:r>
               <a:rPr lang="en-US" dirty="0"/>
-              <a:t>The goal of the game is to get a score of 21 or as close as possible to 21. The game is played between the user and dealer and whoever is closer wins the pot bet at the beginning of the round.</a:t>
-            </a:r>
+              <a:t>We utilize JavaScript within the </a:t>
+            </a:r>
+            <a:r>
+              <a:rPr lang="en-US" dirty="0" err="1"/>
+              <a:t>Vue</a:t>
+            </a:r>
+            <a:r>
+              <a:rPr lang="en-US" dirty="0"/>
+              <a:t>-Native framework to implement this goal.</a:t>
+            </a:r>
+          </a:p>
+          <a:p>
+            <a:endParaRPr lang="en-US" dirty="0"/>
           </a:p>
         </p:txBody>
       </p:sp>
@@ -4421,7 +4776,7 @@
           <a:p>
             <a:r>
               <a:rPr lang="en-US" dirty="0"/>
-              <a:t>Blackjack Features</a:t>
+              <a:t>Blackjack</a:t>
             </a:r>
           </a:p>
         </p:txBody>
@@ -4443,17 +4798,14 @@
           <a:p>
             <a:r>
               <a:rPr lang="en-US" dirty="0"/>
-              <a:t>Aces are counted as 1 or 11, 2 to 10 is according to the pip value, and face cards are counted as 10’s. The player and dealer initially draw two cards and sum together the total.</a:t>
+              <a:t>Blackjack is played with a traditional 52 card deck against the AI dealer.</a:t>
             </a:r>
           </a:p>
           <a:p>
             <a:r>
               <a:rPr lang="en-US" dirty="0"/>
-              <a:t>The player may do the following actions: hit, stand, split, or double down.</a:t>
-            </a:r>
-          </a:p>
-          <a:p>
-            <a:endParaRPr lang="en-US" dirty="0"/>
+              <a:t>The goal of the game is to get a score of 21 or as close as possible to 21. The game is played between the user and dealer and whoever is closer wins the pot bet at the beginning of the round.</a:t>
+            </a:r>
           </a:p>
         </p:txBody>
       </p:sp>
@@ -4498,12 +4850,8 @@
           <a:lstStyle/>
           <a:p>
             <a:r>
-              <a:rPr lang="en-US" dirty="0" err="1"/>
-              <a:t>Vue</a:t>
-            </a:r>
-            <a:r>
               <a:rPr lang="en-US" dirty="0"/>
-              <a:t>-Native</a:t>
+              <a:t>Blackjack Features</a:t>
             </a:r>
           </a:p>
         </p:txBody>
@@ -4525,26 +4873,17 @@
           <a:p>
             <a:r>
               <a:rPr lang="en-US" dirty="0"/>
-              <a:t>Is the JavaScript based framework we utilized in the project.</a:t>
+              <a:t>Aces are counted as 1 or 11, 2 to 10 is according to the pip value, and face cards are counted as 10’s. The player and dealer initially draw two cards and sum together the total.</a:t>
             </a:r>
           </a:p>
           <a:p>
             <a:r>
               <a:rPr lang="en-US" dirty="0"/>
-              <a:t>It utilizes an HTML-like template to build the layout of the application.</a:t>
-            </a:r>
-          </a:p>
-          <a:p>
-            <a:r>
-              <a:rPr lang="en-US" dirty="0"/>
-              <a:t>It is a flexible framework that is compatible through multiple platforms.</a:t>
-            </a:r>
-          </a:p>
-          <a:p>
-            <a:r>
-              <a:rPr lang="en-US" dirty="0"/>
-              <a:t>Built on Facebook’s React Native</a:t>
-            </a:r>
+              <a:t>The player may do the following actions: hit, stand, split, or double down.</a:t>
+            </a:r>
+          </a:p>
+          <a:p>
+            <a:endParaRPr lang="en-US" dirty="0"/>
           </a:p>
         </p:txBody>
       </p:sp>
@@ -4589,8 +4928,12 @@
           <a:lstStyle/>
           <a:p>
             <a:r>
+              <a:rPr lang="en-US" dirty="0" err="1"/>
+              <a:t>Vue</a:t>
+            </a:r>
+            <a:r>
               <a:rPr lang="en-US" dirty="0"/>
-              <a:t>Planning</a:t>
+              <a:t>-Native</a:t>
             </a:r>
           </a:p>
         </p:txBody>
@@ -4612,13 +4955,25 @@
           <a:p>
             <a:r>
               <a:rPr lang="en-US" dirty="0"/>
-              <a:t>Our group started by brainstorming some ideas before deciding to take on the poker application.</a:t>
+              <a:t>Is the JavaScript based framework we utilized in the project.</a:t>
             </a:r>
           </a:p>
           <a:p>
             <a:r>
               <a:rPr lang="en-US" dirty="0"/>
-              <a:t>On paper we came up with the components of the game that helped us build the requirements specifications.</a:t>
+              <a:t>It utilizes an HTML-like template to build the layout of the application.</a:t>
+            </a:r>
+          </a:p>
+          <a:p>
+            <a:r>
+              <a:rPr lang="en-US" dirty="0"/>
+              <a:t>It is a flexible framework that is compatible through multiple platforms.</a:t>
+            </a:r>
+          </a:p>
+          <a:p>
+            <a:r>
+              <a:rPr lang="en-US" dirty="0"/>
+              <a:t>Built on Facebook’s React Native</a:t>
             </a:r>
           </a:p>
         </p:txBody>
@@ -4632,6 +4987,161 @@
 </file>
 
 <file path=ppt/slides/slide7.xml><?xml version="1.0" encoding="utf-8"?>
+<p:sld xmlns:a="http://schemas.openxmlformats.org/drawingml/2006/main" xmlns:r="http://schemas.openxmlformats.org/officeDocument/2006/relationships" xmlns:p="http://schemas.openxmlformats.org/presentationml/2006/main">
+  <p:cSld>
+    <p:spTree>
+      <p:nvGrpSpPr>
+        <p:cNvPr id="1" name=""/>
+        <p:cNvGrpSpPr/>
+        <p:nvPr/>
+      </p:nvGrpSpPr>
+      <p:grpSpPr>
+        <a:xfrm>
+          <a:off x="0" y="0"/>
+          <a:ext cx="0" cy="0"/>
+          <a:chOff x="0" y="0"/>
+          <a:chExt cx="0" cy="0"/>
+        </a:xfrm>
+      </p:grpSpPr>
+      <p:sp>
+        <p:nvSpPr>
+          <p:cNvPr id="2" name="Title 1"/>
+          <p:cNvSpPr>
+            <a:spLocks noGrp="1"/>
+          </p:cNvSpPr>
+          <p:nvPr>
+            <p:ph type="title"/>
+          </p:nvPr>
+        </p:nvSpPr>
+        <p:spPr/>
+        <p:txBody>
+          <a:bodyPr/>
+          <a:lstStyle/>
+          <a:p>
+            <a:r>
+              <a:rPr lang="en-US" dirty="0" smtClean="0"/>
+              <a:t>Risk Assessment</a:t>
+            </a:r>
+            <a:endParaRPr lang="en-US" dirty="0"/>
+          </a:p>
+        </p:txBody>
+      </p:sp>
+      <p:sp>
+        <p:nvSpPr>
+          <p:cNvPr id="3" name="Content Placeholder 2"/>
+          <p:cNvSpPr>
+            <a:spLocks noGrp="1"/>
+          </p:cNvSpPr>
+          <p:nvPr>
+            <p:ph idx="1"/>
+          </p:nvPr>
+        </p:nvSpPr>
+        <p:spPr/>
+        <p:txBody>
+          <a:bodyPr/>
+          <a:lstStyle/>
+          <a:p>
+            <a:r>
+              <a:rPr lang="en-US" dirty="0" smtClean="0"/>
+              <a:t>Utilized open source graphics to avoid running into copy right issues.</a:t>
+            </a:r>
+            <a:endParaRPr lang="en-US" dirty="0" smtClean="0"/>
+          </a:p>
+          <a:p>
+            <a:endParaRPr lang="en-US" dirty="0" smtClean="0"/>
+          </a:p>
+          <a:p>
+            <a:r>
+              <a:rPr lang="en-US" dirty="0" smtClean="0"/>
+              <a:t>Avoid falling under the designation of a gambling application. </a:t>
+            </a:r>
+          </a:p>
+        </p:txBody>
+      </p:sp>
+    </p:spTree>
+  </p:cSld>
+  <p:clrMapOvr>
+    <a:masterClrMapping/>
+  </p:clrMapOvr>
+</p:sld>
+</file>
+
+<file path=ppt/slides/slide8.xml><?xml version="1.0" encoding="utf-8"?>
+<p:sld xmlns:a="http://schemas.openxmlformats.org/drawingml/2006/main" xmlns:r="http://schemas.openxmlformats.org/officeDocument/2006/relationships" xmlns:p="http://schemas.openxmlformats.org/presentationml/2006/main">
+  <p:cSld>
+    <p:spTree>
+      <p:nvGrpSpPr>
+        <p:cNvPr id="1" name=""/>
+        <p:cNvGrpSpPr/>
+        <p:nvPr/>
+      </p:nvGrpSpPr>
+      <p:grpSpPr>
+        <a:xfrm>
+          <a:off x="0" y="0"/>
+          <a:ext cx="0" cy="0"/>
+          <a:chOff x="0" y="0"/>
+          <a:chExt cx="0" cy="0"/>
+        </a:xfrm>
+      </p:grpSpPr>
+      <p:sp>
+        <p:nvSpPr>
+          <p:cNvPr id="2" name="Title 1"/>
+          <p:cNvSpPr>
+            <a:spLocks noGrp="1"/>
+          </p:cNvSpPr>
+          <p:nvPr>
+            <p:ph type="title"/>
+          </p:nvPr>
+        </p:nvSpPr>
+        <p:spPr/>
+        <p:txBody>
+          <a:bodyPr/>
+          <a:lstStyle/>
+          <a:p>
+            <a:r>
+              <a:rPr lang="en-US" dirty="0"/>
+              <a:t>Planning</a:t>
+            </a:r>
+          </a:p>
+        </p:txBody>
+      </p:sp>
+      <p:sp>
+        <p:nvSpPr>
+          <p:cNvPr id="3" name="Content Placeholder 2"/>
+          <p:cNvSpPr>
+            <a:spLocks noGrp="1"/>
+          </p:cNvSpPr>
+          <p:nvPr>
+            <p:ph idx="1"/>
+          </p:nvPr>
+        </p:nvSpPr>
+        <p:spPr/>
+        <p:txBody>
+          <a:bodyPr/>
+          <a:lstStyle/>
+          <a:p>
+            <a:r>
+              <a:rPr lang="en-US" dirty="0"/>
+              <a:t>Our group started by brainstorming some ideas before deciding to take on the poker application.</a:t>
+            </a:r>
+          </a:p>
+          <a:p>
+            <a:r>
+              <a:rPr lang="en-US" dirty="0"/>
+              <a:t>On paper we came up with the components of the game that helped us build the requirements specifications.</a:t>
+            </a:r>
+          </a:p>
+        </p:txBody>
+      </p:sp>
+    </p:spTree>
+  </p:cSld>
+  <p:clrMapOvr>
+    <a:masterClrMapping/>
+  </p:clrMapOvr>
+</p:sld>
+</file>
+
+<file path=ppt/slides/slide9.xml><?xml version="1.0" encoding="utf-8"?>
 <p:sld xmlns:a="http://schemas.openxmlformats.org/drawingml/2006/main" xmlns:r="http://schemas.openxmlformats.org/officeDocument/2006/relationships" xmlns:p="http://schemas.openxmlformats.org/presentationml/2006/main">
   <p:cSld>
     <p:spTree>
